--- a/doc/Graph-Embedding Presentation - Copy.pptx
+++ b/doc/Graph-Embedding Presentation - Copy.pptx
@@ -7683,8 +7683,8 @@
         </p:nvSpPr>
         <p:spPr>
           <a:xfrm>
-            <a:off x="8667750" y="5064125"/>
-            <a:ext cx="3200400" cy="546100"/>
+            <a:off x="8637173" y="5064125"/>
+            <a:ext cx="2846226" cy="546100"/>
           </a:xfrm>
           <a:prstGeom prst="rect">
             <a:avLst/>
@@ -7885,8 +7885,8 @@
         </p:nvSpPr>
         <p:spPr>
           <a:xfrm>
-            <a:off x="4953000" y="5064125"/>
-            <a:ext cx="3200400" cy="546100"/>
+            <a:off x="4910370" y="5064125"/>
+            <a:ext cx="2623457" cy="546100"/>
           </a:xfrm>
           <a:prstGeom prst="rect">
             <a:avLst/>
@@ -8087,8 +8087,8 @@
         </p:nvSpPr>
         <p:spPr>
           <a:xfrm>
-            <a:off x="912262" y="5064125"/>
-            <a:ext cx="3200400" cy="546100"/>
+            <a:off x="931952" y="5064125"/>
+            <a:ext cx="2623457" cy="546100"/>
           </a:xfrm>
           <a:prstGeom prst="rect">
             <a:avLst/>
@@ -8301,7 +8301,7 @@
         </p:blipFill>
         <p:spPr>
           <a:xfrm>
-            <a:off x="5078459" y="2501900"/>
+            <a:off x="5059797" y="2578100"/>
             <a:ext cx="2324604" cy="2341823"/>
           </a:xfrm>
           <a:prstGeom prst="rect">
@@ -8337,8 +8337,8 @@
         </p:blipFill>
         <p:spPr>
           <a:xfrm>
-            <a:off x="969412" y="2519118"/>
-            <a:ext cx="2324605" cy="2324605"/>
+            <a:off x="1081379" y="2578100"/>
+            <a:ext cx="2324605" cy="2336800"/>
           </a:xfrm>
           <a:prstGeom prst="rect">
             <a:avLst/>

--- a/doc/Graph-Embedding Presentation - Copy.pptx
+++ b/doc/Graph-Embedding Presentation - Copy.pptx
@@ -217,7 +217,7 @@
           <a:p>
             <a:fld id="{40255490-F3EC-4464-B815-288EE6CB06A0}" type="datetimeFigureOut">
               <a:rPr lang="en-US" smtClean="0"/>
-              <a:t>1/29/2025</a:t>
+              <a:t>1/30/2025</a:t>
             </a:fld>
             <a:endParaRPr lang="en-US"/>
           </a:p>
@@ -731,6 +731,50 @@
               </a:rPr>
               <a:t>alias explaining later</a:t>
             </a:r>
+          </a:p>
+          <a:p>
+            <a:r>
+              <a:rPr lang="en-US" b="0" i="0" dirty="0">
+                <a:effectLst/>
+                <a:latin typeface="gg sans"/>
+              </a:rPr>
+              <a:t>1/p if </a:t>
+            </a:r>
+            <a:r>
+              <a:rPr lang="en-US" b="0" i="0" dirty="0" err="1">
+                <a:effectLst/>
+                <a:latin typeface="gg sans"/>
+              </a:rPr>
+              <a:t>nei</a:t>
+            </a:r>
+            <a:r>
+              <a:rPr lang="en-US" b="0" i="0" dirty="0">
+                <a:effectLst/>
+                <a:latin typeface="gg sans"/>
+              </a:rPr>
+              <a:t>=</a:t>
+            </a:r>
+            <a:r>
+              <a:rPr lang="en-US" b="0" i="0" dirty="0" err="1">
+                <a:effectLst/>
+                <a:latin typeface="gg sans"/>
+              </a:rPr>
+              <a:t>src</a:t>
+            </a:r>
+            <a:r>
+              <a:rPr lang="en-US" b="0" i="0" dirty="0">
+                <a:effectLst/>
+                <a:latin typeface="gg sans"/>
+              </a:rPr>
+              <a:t> 1/q if not connected, </a:t>
+            </a:r>
+            <a:r>
+              <a:rPr lang="en-US" b="0" i="0">
+                <a:effectLst/>
+                <a:latin typeface="gg sans"/>
+              </a:rPr>
+              <a:t>else normal</a:t>
+            </a:r>
             <a:endParaRPr lang="en-US" dirty="0"/>
           </a:p>
         </p:txBody>
@@ -1633,7 +1677,7 @@
           <a:p>
             <a:fld id="{6FC2E1BB-ABA2-49E9-A8D9-545C2DE0A0F4}" type="datetimeFigureOut">
               <a:rPr lang="en-US" smtClean="0"/>
-              <a:t>1/29/2025</a:t>
+              <a:t>1/30/2025</a:t>
             </a:fld>
             <a:endParaRPr lang="en-US"/>
           </a:p>
@@ -1831,7 +1875,7 @@
           <a:p>
             <a:fld id="{6FC2E1BB-ABA2-49E9-A8D9-545C2DE0A0F4}" type="datetimeFigureOut">
               <a:rPr lang="en-US" smtClean="0"/>
-              <a:t>1/29/2025</a:t>
+              <a:t>1/30/2025</a:t>
             </a:fld>
             <a:endParaRPr lang="en-US"/>
           </a:p>
@@ -2039,7 +2083,7 @@
           <a:p>
             <a:fld id="{6FC2E1BB-ABA2-49E9-A8D9-545C2DE0A0F4}" type="datetimeFigureOut">
               <a:rPr lang="en-US" smtClean="0"/>
-              <a:t>1/29/2025</a:t>
+              <a:t>1/30/2025</a:t>
             </a:fld>
             <a:endParaRPr lang="en-US"/>
           </a:p>
@@ -2237,7 +2281,7 @@
           <a:p>
             <a:fld id="{6FC2E1BB-ABA2-49E9-A8D9-545C2DE0A0F4}" type="datetimeFigureOut">
               <a:rPr lang="en-US" smtClean="0"/>
-              <a:t>1/29/2025</a:t>
+              <a:t>1/30/2025</a:t>
             </a:fld>
             <a:endParaRPr lang="en-US"/>
           </a:p>
@@ -2512,7 +2556,7 @@
           <a:p>
             <a:fld id="{6FC2E1BB-ABA2-49E9-A8D9-545C2DE0A0F4}" type="datetimeFigureOut">
               <a:rPr lang="en-US" smtClean="0"/>
-              <a:t>1/29/2025</a:t>
+              <a:t>1/30/2025</a:t>
             </a:fld>
             <a:endParaRPr lang="en-US"/>
           </a:p>
@@ -2777,7 +2821,7 @@
           <a:p>
             <a:fld id="{6FC2E1BB-ABA2-49E9-A8D9-545C2DE0A0F4}" type="datetimeFigureOut">
               <a:rPr lang="en-US" smtClean="0"/>
-              <a:t>1/29/2025</a:t>
+              <a:t>1/30/2025</a:t>
             </a:fld>
             <a:endParaRPr lang="en-US"/>
           </a:p>
@@ -3189,7 +3233,7 @@
           <a:p>
             <a:fld id="{6FC2E1BB-ABA2-49E9-A8D9-545C2DE0A0F4}" type="datetimeFigureOut">
               <a:rPr lang="en-US" smtClean="0"/>
-              <a:t>1/29/2025</a:t>
+              <a:t>1/30/2025</a:t>
             </a:fld>
             <a:endParaRPr lang="en-US"/>
           </a:p>
@@ -3330,7 +3374,7 @@
           <a:p>
             <a:fld id="{6FC2E1BB-ABA2-49E9-A8D9-545C2DE0A0F4}" type="datetimeFigureOut">
               <a:rPr lang="en-US" smtClean="0"/>
-              <a:t>1/29/2025</a:t>
+              <a:t>1/30/2025</a:t>
             </a:fld>
             <a:endParaRPr lang="en-US"/>
           </a:p>
@@ -3443,7 +3487,7 @@
           <a:p>
             <a:fld id="{6FC2E1BB-ABA2-49E9-A8D9-545C2DE0A0F4}" type="datetimeFigureOut">
               <a:rPr lang="en-US" smtClean="0"/>
-              <a:t>1/29/2025</a:t>
+              <a:t>1/30/2025</a:t>
             </a:fld>
             <a:endParaRPr lang="en-US"/>
           </a:p>
@@ -3754,7 +3798,7 @@
           <a:p>
             <a:fld id="{6FC2E1BB-ABA2-49E9-A8D9-545C2DE0A0F4}" type="datetimeFigureOut">
               <a:rPr lang="en-US" smtClean="0"/>
-              <a:t>1/29/2025</a:t>
+              <a:t>1/30/2025</a:t>
             </a:fld>
             <a:endParaRPr lang="en-US"/>
           </a:p>
@@ -4042,7 +4086,7 @@
           <a:p>
             <a:fld id="{6FC2E1BB-ABA2-49E9-A8D9-545C2DE0A0F4}" type="datetimeFigureOut">
               <a:rPr lang="en-US" smtClean="0"/>
-              <a:t>1/29/2025</a:t>
+              <a:t>1/30/2025</a:t>
             </a:fld>
             <a:endParaRPr lang="en-US"/>
           </a:p>
@@ -4313,7 +4357,7 @@
           <a:p>
             <a:fld id="{6FC2E1BB-ABA2-49E9-A8D9-545C2DE0A0F4}" type="datetimeFigureOut">
               <a:rPr lang="en-US" smtClean="0"/>
-              <a:t>1/29/2025</a:t>
+              <a:t>1/30/2025</a:t>
             </a:fld>
             <a:endParaRPr lang="en-US"/>
           </a:p>
@@ -5012,7 +5056,37 @@
             </a:pPr>
             <a:r>
               <a:rPr lang="en-US" sz="2400" dirty="0"/>
-              <a:t>Each vertex and edge is given a weight value in range of [0,1] based on its neighbors. </a:t>
+              <a:t>Each vertex and edge are given a weight value in range of [0,1]</a:t>
+            </a:r>
+          </a:p>
+          <a:p>
+            <a:pPr marL="0" indent="0">
+              <a:buNone/>
+            </a:pPr>
+            <a:r>
+              <a:rPr lang="en-US" sz="2400" dirty="0"/>
+              <a:t>Vertexes – </a:t>
+            </a:r>
+            <a:r>
+              <a:rPr lang="en-US" sz="2400"/>
+              <a:t>Based on a </a:t>
+            </a:r>
+            <a:r>
+              <a:rPr lang="en-US" sz="2400" dirty="0"/>
+              <a:t>discrete </a:t>
+            </a:r>
+            <a:r>
+              <a:rPr lang="en-US" sz="2400"/>
+              <a:t>probability distribution</a:t>
+            </a:r>
+          </a:p>
+          <a:p>
+            <a:pPr marL="0" indent="0">
+              <a:buNone/>
+            </a:pPr>
+            <a:r>
+              <a:rPr lang="en-US" sz="2400" dirty="0"/>
+              <a:t>Edges - based on its neighbors and on biased random walk. </a:t>
             </a:r>
           </a:p>
         </p:txBody>
@@ -6597,7 +6671,7 @@
         </p:spPr>
         <p:txBody>
           <a:bodyPr>
-            <a:normAutofit fontScale="92500"/>
+            <a:normAutofit lnSpcReduction="10000"/>
           </a:bodyPr>
           <a:lstStyle/>
           <a:p>
@@ -7166,7 +7240,7 @@
         </p:nvSpPr>
         <p:spPr>
           <a:xfrm>
-            <a:off x="1973656" y="5097102"/>
+            <a:off x="2080660" y="6451708"/>
             <a:ext cx="704661" cy="244443"/>
           </a:xfrm>
           <a:prstGeom prst="rect">
@@ -7514,7 +7588,7 @@
         </p:nvSpPr>
         <p:spPr>
           <a:xfrm>
-            <a:off x="2154725" y="5413972"/>
+            <a:off x="2203363" y="6468701"/>
             <a:ext cx="704661" cy="244443"/>
           </a:xfrm>
           <a:prstGeom prst="rect">
@@ -8463,7 +8537,7 @@
           <a:p>
             <a:r>
               <a:rPr lang="en-US" dirty="0"/>
-              <a:t>F1 Scores in range of 65-70%</a:t>
+              <a:t>F1 Scores in range of 64-70%</a:t>
             </a:r>
           </a:p>
           <a:p>
